--- a/Presentación/Presentación Spotipy.pptx
+++ b/Presentación/Presentación Spotipy.pptx
@@ -17,6 +17,7 @@
     <p:sldId id="265" r:id="rId11"/>
     <p:sldId id="264" r:id="rId12"/>
     <p:sldId id="266" r:id="rId13"/>
+    <p:sldId id="268" r:id="rId14"/>
   </p:sldIdLst>
   <p:sldSz cx="12192000" cy="6858000"/>
   <p:notesSz cx="6858000" cy="9144000"/>
@@ -309,7 +310,7 @@
           <a:p>
             <a:fld id="{9D74DE3C-1FA8-4E65-A6A2-BF1DF825E396}" type="datetimeFigureOut">
               <a:rPr lang="es-CO" smtClean="0"/>
-              <a:t>18/08/2022</a:t>
+              <a:t>19/08/2022</a:t>
             </a:fld>
             <a:endParaRPr lang="es-CO"/>
           </a:p>
@@ -584,7 +585,7 @@
           <a:p>
             <a:fld id="{9D74DE3C-1FA8-4E65-A6A2-BF1DF825E396}" type="datetimeFigureOut">
               <a:rPr lang="es-CO" smtClean="0"/>
-              <a:t>18/08/2022</a:t>
+              <a:t>19/08/2022</a:t>
             </a:fld>
             <a:endParaRPr lang="es-CO"/>
           </a:p>
@@ -778,7 +779,7 @@
           <a:p>
             <a:fld id="{9D74DE3C-1FA8-4E65-A6A2-BF1DF825E396}" type="datetimeFigureOut">
               <a:rPr lang="es-CO" smtClean="0"/>
-              <a:t>18/08/2022</a:t>
+              <a:t>19/08/2022</a:t>
             </a:fld>
             <a:endParaRPr lang="es-CO"/>
           </a:p>
@@ -1051,7 +1052,7 @@
           <a:p>
             <a:fld id="{9D74DE3C-1FA8-4E65-A6A2-BF1DF825E396}" type="datetimeFigureOut">
               <a:rPr lang="es-CO" smtClean="0"/>
-              <a:t>18/08/2022</a:t>
+              <a:t>19/08/2022</a:t>
             </a:fld>
             <a:endParaRPr lang="es-CO"/>
           </a:p>
@@ -1392,7 +1393,7 @@
           <a:p>
             <a:fld id="{9D74DE3C-1FA8-4E65-A6A2-BF1DF825E396}" type="datetimeFigureOut">
               <a:rPr lang="es-CO" smtClean="0"/>
-              <a:t>18/08/2022</a:t>
+              <a:t>19/08/2022</a:t>
             </a:fld>
             <a:endParaRPr lang="es-CO"/>
           </a:p>
@@ -2015,7 +2016,7 @@
           <a:p>
             <a:fld id="{9D74DE3C-1FA8-4E65-A6A2-BF1DF825E396}" type="datetimeFigureOut">
               <a:rPr lang="es-CO" smtClean="0"/>
-              <a:t>18/08/2022</a:t>
+              <a:t>19/08/2022</a:t>
             </a:fld>
             <a:endParaRPr lang="es-CO"/>
           </a:p>
@@ -2875,7 +2876,7 @@
           <a:p>
             <a:fld id="{9D74DE3C-1FA8-4E65-A6A2-BF1DF825E396}" type="datetimeFigureOut">
               <a:rPr lang="es-CO" smtClean="0"/>
-              <a:t>18/08/2022</a:t>
+              <a:t>19/08/2022</a:t>
             </a:fld>
             <a:endParaRPr lang="es-CO"/>
           </a:p>
@@ -3045,7 +3046,7 @@
           <a:p>
             <a:fld id="{9D74DE3C-1FA8-4E65-A6A2-BF1DF825E396}" type="datetimeFigureOut">
               <a:rPr lang="es-CO" smtClean="0"/>
-              <a:t>18/08/2022</a:t>
+              <a:t>19/08/2022</a:t>
             </a:fld>
             <a:endParaRPr lang="es-CO"/>
           </a:p>
@@ -3225,7 +3226,7 @@
           <a:p>
             <a:fld id="{9D74DE3C-1FA8-4E65-A6A2-BF1DF825E396}" type="datetimeFigureOut">
               <a:rPr lang="es-CO" smtClean="0"/>
-              <a:t>18/08/2022</a:t>
+              <a:t>19/08/2022</a:t>
             </a:fld>
             <a:endParaRPr lang="es-CO"/>
           </a:p>
@@ -3395,7 +3396,7 @@
           <a:p>
             <a:fld id="{9D74DE3C-1FA8-4E65-A6A2-BF1DF825E396}" type="datetimeFigureOut">
               <a:rPr lang="es-CO" smtClean="0"/>
-              <a:t>18/08/2022</a:t>
+              <a:t>19/08/2022</a:t>
             </a:fld>
             <a:endParaRPr lang="es-CO"/>
           </a:p>
@@ -3642,7 +3643,7 @@
           <a:p>
             <a:fld id="{9D74DE3C-1FA8-4E65-A6A2-BF1DF825E396}" type="datetimeFigureOut">
               <a:rPr lang="es-CO" smtClean="0"/>
-              <a:t>18/08/2022</a:t>
+              <a:t>19/08/2022</a:t>
             </a:fld>
             <a:endParaRPr lang="es-CO"/>
           </a:p>
@@ -3934,7 +3935,7 @@
           <a:p>
             <a:fld id="{9D74DE3C-1FA8-4E65-A6A2-BF1DF825E396}" type="datetimeFigureOut">
               <a:rPr lang="es-CO" smtClean="0"/>
-              <a:t>18/08/2022</a:t>
+              <a:t>19/08/2022</a:t>
             </a:fld>
             <a:endParaRPr lang="es-CO"/>
           </a:p>
@@ -4378,7 +4379,7 @@
           <a:p>
             <a:fld id="{9D74DE3C-1FA8-4E65-A6A2-BF1DF825E396}" type="datetimeFigureOut">
               <a:rPr lang="es-CO" smtClean="0"/>
-              <a:t>18/08/2022</a:t>
+              <a:t>19/08/2022</a:t>
             </a:fld>
             <a:endParaRPr lang="es-CO"/>
           </a:p>
@@ -4496,7 +4497,7 @@
           <a:p>
             <a:fld id="{9D74DE3C-1FA8-4E65-A6A2-BF1DF825E396}" type="datetimeFigureOut">
               <a:rPr lang="es-CO" smtClean="0"/>
-              <a:t>18/08/2022</a:t>
+              <a:t>19/08/2022</a:t>
             </a:fld>
             <a:endParaRPr lang="es-CO"/>
           </a:p>
@@ -4591,7 +4592,7 @@
           <a:p>
             <a:fld id="{9D74DE3C-1FA8-4E65-A6A2-BF1DF825E396}" type="datetimeFigureOut">
               <a:rPr lang="es-CO" smtClean="0"/>
-              <a:t>18/08/2022</a:t>
+              <a:t>19/08/2022</a:t>
             </a:fld>
             <a:endParaRPr lang="es-CO"/>
           </a:p>
@@ -4870,7 +4871,7 @@
           <a:p>
             <a:fld id="{9D74DE3C-1FA8-4E65-A6A2-BF1DF825E396}" type="datetimeFigureOut">
               <a:rPr lang="es-CO" smtClean="0"/>
-              <a:t>18/08/2022</a:t>
+              <a:t>19/08/2022</a:t>
             </a:fld>
             <a:endParaRPr lang="es-CO"/>
           </a:p>
@@ -5145,7 +5146,7 @@
           <a:p>
             <a:fld id="{9D74DE3C-1FA8-4E65-A6A2-BF1DF825E396}" type="datetimeFigureOut">
               <a:rPr lang="es-CO" smtClean="0"/>
-              <a:t>18/08/2022</a:t>
+              <a:t>19/08/2022</a:t>
             </a:fld>
             <a:endParaRPr lang="es-CO"/>
           </a:p>
@@ -5574,7 +5575,7 @@
           <a:p>
             <a:fld id="{9D74DE3C-1FA8-4E65-A6A2-BF1DF825E396}" type="datetimeFigureOut">
               <a:rPr lang="es-CO" smtClean="0"/>
-              <a:t>18/08/2022</a:t>
+              <a:t>19/08/2022</a:t>
             </a:fld>
             <a:endParaRPr lang="es-CO"/>
           </a:p>
@@ -8175,6 +8176,125 @@
 </p:sld>
 </file>
 
+<file path=ppt/slides/slide13.xml><?xml version="1.0" encoding="utf-8"?>
+<p:sld xmlns:a="http://schemas.openxmlformats.org/drawingml/2006/main" xmlns:r="http://schemas.openxmlformats.org/officeDocument/2006/relationships" xmlns:p="http://schemas.openxmlformats.org/presentationml/2006/main" showMasterSp="0">
+  <p:cSld>
+    <p:spTree>
+      <p:nvGrpSpPr>
+        <p:cNvPr id="1" name=""/>
+        <p:cNvGrpSpPr/>
+        <p:nvPr/>
+      </p:nvGrpSpPr>
+      <p:grpSpPr>
+        <a:xfrm>
+          <a:off x="0" y="0"/>
+          <a:ext cx="0" cy="0"/>
+          <a:chOff x="0" y="0"/>
+          <a:chExt cx="0" cy="0"/>
+        </a:xfrm>
+      </p:grpSpPr>
+      <p:sp>
+        <p:nvSpPr>
+          <p:cNvPr id="3" name="Marcador de contenido 2">
+            <a:extLst>
+              <a:ext uri="{FF2B5EF4-FFF2-40B4-BE49-F238E27FC236}">
+                <a16:creationId xmlns:a16="http://schemas.microsoft.com/office/drawing/2014/main" id="{0EC8CE93-9188-48D3-82A0-A55E0E64299E}"/>
+              </a:ext>
+            </a:extLst>
+          </p:cNvPr>
+          <p:cNvSpPr>
+            <a:spLocks noGrp="1"/>
+          </p:cNvSpPr>
+          <p:nvPr>
+            <p:ph idx="1"/>
+          </p:nvPr>
+        </p:nvSpPr>
+        <p:spPr>
+          <a:xfrm>
+            <a:off x="993914" y="238539"/>
+            <a:ext cx="9639036" cy="5943599"/>
+          </a:xfrm>
+        </p:spPr>
+        <p:txBody>
+          <a:bodyPr>
+            <a:normAutofit/>
+          </a:bodyPr>
+          <a:lstStyle/>
+          <a:p>
+            <a:pPr marL="0" indent="0">
+              <a:buNone/>
+            </a:pPr>
+            <a:r>
+              <a:rPr lang="es-CO" sz="2800" dirty="0"/>
+              <a:t>Gracias por ver!</a:t>
+            </a:r>
+          </a:p>
+          <a:p>
+            <a:pPr marL="0" indent="0">
+              <a:buNone/>
+            </a:pPr>
+            <a:endParaRPr lang="es-CO" sz="2800" dirty="0"/>
+          </a:p>
+          <a:p>
+            <a:pPr marL="0" indent="0">
+              <a:buNone/>
+            </a:pPr>
+            <a:endParaRPr lang="es-CO" sz="2800" dirty="0"/>
+          </a:p>
+          <a:p>
+            <a:pPr marL="0" indent="0">
+              <a:buNone/>
+            </a:pPr>
+            <a:endParaRPr lang="es-CO" sz="2800" dirty="0"/>
+          </a:p>
+          <a:p>
+            <a:pPr marL="0" indent="0">
+              <a:buNone/>
+            </a:pPr>
+            <a:r>
+              <a:rPr lang="es-CO" sz="2400" dirty="0"/>
+              <a:t>Cualquier duda y/o sugerencia puedes contactarme a través de:</a:t>
+            </a:r>
+          </a:p>
+          <a:p>
+            <a:pPr marL="0" indent="0">
+              <a:buNone/>
+            </a:pPr>
+            <a:endParaRPr lang="es-CO" sz="2400" dirty="0"/>
+          </a:p>
+          <a:p>
+            <a:pPr marL="0" indent="0">
+              <a:buNone/>
+            </a:pPr>
+            <a:r>
+              <a:rPr lang="es-CO" sz="2400" dirty="0">
+                <a:hlinkClick r:id="rId2">
+                  <a:extLst>
+                    <a:ext uri="{A12FA001-AC4F-418D-AE19-62706E023703}">
+                      <ahyp:hlinkClr xmlns:ahyp="http://schemas.microsoft.com/office/drawing/2018/hyperlinkcolor" val="tx"/>
+                    </a:ext>
+                  </a:extLst>
+                </a:hlinkClick>
+              </a:rPr>
+              <a:t>bjgc1301@gmail.com</a:t>
+            </a:r>
+            <a:endParaRPr lang="es-CO" sz="2400" dirty="0"/>
+          </a:p>
+        </p:txBody>
+      </p:sp>
+    </p:spTree>
+    <p:extLst>
+      <p:ext uri="{BB962C8B-B14F-4D97-AF65-F5344CB8AC3E}">
+        <p14:creationId xmlns:p14="http://schemas.microsoft.com/office/powerpoint/2010/main" val="300592927"/>
+      </p:ext>
+    </p:extLst>
+  </p:cSld>
+  <p:clrMapOvr>
+    <a:masterClrMapping/>
+  </p:clrMapOvr>
+</p:sld>
+</file>
+
 <file path=ppt/slides/slide2.xml><?xml version="1.0" encoding="utf-8"?>
 <p:sld xmlns:a="http://schemas.openxmlformats.org/drawingml/2006/main" xmlns:r="http://schemas.openxmlformats.org/officeDocument/2006/relationships" xmlns:p="http://schemas.openxmlformats.org/presentationml/2006/main" showMasterSp="0">
   <p:cSld>
